--- a/3_output/fig1_alternative_sir_explanation.pptx
+++ b/3_output/fig1_alternative_sir_explanation.pptx
@@ -254,7 +254,7 @@
           <a:p>
             <a:fld id="{C75B078E-1423-48FB-9A8C-AD62E2E7D6BA}" type="datetimeFigureOut">
               <a:rPr lang="de-DE" smtClean="0"/>
-              <a:t>01.03.2024</a:t>
+              <a:t>03.03.2024</a:t>
             </a:fld>
             <a:endParaRPr lang="de-DE"/>
           </a:p>
@@ -424,7 +424,7 @@
           <a:p>
             <a:fld id="{C75B078E-1423-48FB-9A8C-AD62E2E7D6BA}" type="datetimeFigureOut">
               <a:rPr lang="de-DE" smtClean="0"/>
-              <a:t>01.03.2024</a:t>
+              <a:t>03.03.2024</a:t>
             </a:fld>
             <a:endParaRPr lang="de-DE"/>
           </a:p>
@@ -604,7 +604,7 @@
           <a:p>
             <a:fld id="{C75B078E-1423-48FB-9A8C-AD62E2E7D6BA}" type="datetimeFigureOut">
               <a:rPr lang="de-DE" smtClean="0"/>
-              <a:t>01.03.2024</a:t>
+              <a:t>03.03.2024</a:t>
             </a:fld>
             <a:endParaRPr lang="de-DE"/>
           </a:p>
@@ -774,7 +774,7 @@
           <a:p>
             <a:fld id="{C75B078E-1423-48FB-9A8C-AD62E2E7D6BA}" type="datetimeFigureOut">
               <a:rPr lang="de-DE" smtClean="0"/>
-              <a:t>01.03.2024</a:t>
+              <a:t>03.03.2024</a:t>
             </a:fld>
             <a:endParaRPr lang="de-DE"/>
           </a:p>
@@ -1018,7 +1018,7 @@
           <a:p>
             <a:fld id="{C75B078E-1423-48FB-9A8C-AD62E2E7D6BA}" type="datetimeFigureOut">
               <a:rPr lang="de-DE" smtClean="0"/>
-              <a:t>01.03.2024</a:t>
+              <a:t>03.03.2024</a:t>
             </a:fld>
             <a:endParaRPr lang="de-DE"/>
           </a:p>
@@ -1250,7 +1250,7 @@
           <a:p>
             <a:fld id="{C75B078E-1423-48FB-9A8C-AD62E2E7D6BA}" type="datetimeFigureOut">
               <a:rPr lang="de-DE" smtClean="0"/>
-              <a:t>01.03.2024</a:t>
+              <a:t>03.03.2024</a:t>
             </a:fld>
             <a:endParaRPr lang="de-DE"/>
           </a:p>
@@ -1617,7 +1617,7 @@
           <a:p>
             <a:fld id="{C75B078E-1423-48FB-9A8C-AD62E2E7D6BA}" type="datetimeFigureOut">
               <a:rPr lang="de-DE" smtClean="0"/>
-              <a:t>01.03.2024</a:t>
+              <a:t>03.03.2024</a:t>
             </a:fld>
             <a:endParaRPr lang="de-DE"/>
           </a:p>
@@ -1735,7 +1735,7 @@
           <a:p>
             <a:fld id="{C75B078E-1423-48FB-9A8C-AD62E2E7D6BA}" type="datetimeFigureOut">
               <a:rPr lang="de-DE" smtClean="0"/>
-              <a:t>01.03.2024</a:t>
+              <a:t>03.03.2024</a:t>
             </a:fld>
             <a:endParaRPr lang="de-DE"/>
           </a:p>
@@ -1830,7 +1830,7 @@
           <a:p>
             <a:fld id="{C75B078E-1423-48FB-9A8C-AD62E2E7D6BA}" type="datetimeFigureOut">
               <a:rPr lang="de-DE" smtClean="0"/>
-              <a:t>01.03.2024</a:t>
+              <a:t>03.03.2024</a:t>
             </a:fld>
             <a:endParaRPr lang="de-DE"/>
           </a:p>
@@ -2107,7 +2107,7 @@
           <a:p>
             <a:fld id="{C75B078E-1423-48FB-9A8C-AD62E2E7D6BA}" type="datetimeFigureOut">
               <a:rPr lang="de-DE" smtClean="0"/>
-              <a:t>01.03.2024</a:t>
+              <a:t>03.03.2024</a:t>
             </a:fld>
             <a:endParaRPr lang="de-DE"/>
           </a:p>
@@ -2364,7 +2364,7 @@
           <a:p>
             <a:fld id="{C75B078E-1423-48FB-9A8C-AD62E2E7D6BA}" type="datetimeFigureOut">
               <a:rPr lang="de-DE" smtClean="0"/>
-              <a:t>01.03.2024</a:t>
+              <a:t>03.03.2024</a:t>
             </a:fld>
             <a:endParaRPr lang="de-DE"/>
           </a:p>
@@ -2577,7 +2577,7 @@
           <a:p>
             <a:fld id="{C75B078E-1423-48FB-9A8C-AD62E2E7D6BA}" type="datetimeFigureOut">
               <a:rPr lang="de-DE" smtClean="0"/>
-              <a:t>01.03.2024</a:t>
+              <a:t>03.03.2024</a:t>
             </a:fld>
             <a:endParaRPr lang="de-DE"/>
           </a:p>
@@ -3471,8 +3471,8 @@
             <a:chExt cx="6354587" cy="2817142"/>
           </a:xfrm>
         </p:grpSpPr>
-        <mc:AlternateContent xmlns:mc="http://schemas.openxmlformats.org/markup-compatibility/2006" xmlns:a14="http://schemas.microsoft.com/office/drawing/2010/main">
-          <mc:Choice Requires="a14">
+        <mc:AlternateContent xmlns:mc="http://schemas.openxmlformats.org/markup-compatibility/2006">
+          <mc:Choice xmlns:a14="http://schemas.microsoft.com/office/drawing/2010/main" Requires="a14">
             <p:sp>
               <p:nvSpPr>
                 <p:cNvPr id="21" name="Freeform: Shape 20">
@@ -3742,12 +3742,8 @@
                     <a:rPr lang="en-US" kern="1200" dirty="0"/>
                   </a:br>
                   <a:r>
-                    <a:rPr lang="en-US" kern="1200" dirty="0"/>
-                    <a:t>IR </a:t>
-                  </a:r>
-                  <a:r>
                     <a:rPr lang="en-US" b="1" kern="1200" dirty="0"/>
-                    <a:t>of any LC </a:t>
+                    <a:t>IR of any LC </a:t>
                   </a:r>
                   <a:r>
                     <a:rPr lang="en-US" kern="1200" dirty="0"/>
@@ -3798,7 +3794,7 @@
               </p:txBody>
             </p:sp>
           </mc:Choice>
-          <mc:Fallback xmlns="">
+          <mc:Fallback>
             <p:sp>
               <p:nvSpPr>
                 <p:cNvPr id="21" name="Freeform: Shape 20">

--- a/3_output/fig1_alternative_sir_explanation.pptx
+++ b/3_output/fig1_alternative_sir_explanation.pptx
@@ -254,7 +254,7 @@
           <a:p>
             <a:fld id="{C75B078E-1423-48FB-9A8C-AD62E2E7D6BA}" type="datetimeFigureOut">
               <a:rPr lang="de-DE" smtClean="0"/>
-              <a:t>03.03.2024</a:t>
+              <a:t>06.03.2024</a:t>
             </a:fld>
             <a:endParaRPr lang="de-DE"/>
           </a:p>
@@ -424,7 +424,7 @@
           <a:p>
             <a:fld id="{C75B078E-1423-48FB-9A8C-AD62E2E7D6BA}" type="datetimeFigureOut">
               <a:rPr lang="de-DE" smtClean="0"/>
-              <a:t>03.03.2024</a:t>
+              <a:t>06.03.2024</a:t>
             </a:fld>
             <a:endParaRPr lang="de-DE"/>
           </a:p>
@@ -604,7 +604,7 @@
           <a:p>
             <a:fld id="{C75B078E-1423-48FB-9A8C-AD62E2E7D6BA}" type="datetimeFigureOut">
               <a:rPr lang="de-DE" smtClean="0"/>
-              <a:t>03.03.2024</a:t>
+              <a:t>06.03.2024</a:t>
             </a:fld>
             <a:endParaRPr lang="de-DE"/>
           </a:p>
@@ -774,7 +774,7 @@
           <a:p>
             <a:fld id="{C75B078E-1423-48FB-9A8C-AD62E2E7D6BA}" type="datetimeFigureOut">
               <a:rPr lang="de-DE" smtClean="0"/>
-              <a:t>03.03.2024</a:t>
+              <a:t>06.03.2024</a:t>
             </a:fld>
             <a:endParaRPr lang="de-DE"/>
           </a:p>
@@ -1018,7 +1018,7 @@
           <a:p>
             <a:fld id="{C75B078E-1423-48FB-9A8C-AD62E2E7D6BA}" type="datetimeFigureOut">
               <a:rPr lang="de-DE" smtClean="0"/>
-              <a:t>03.03.2024</a:t>
+              <a:t>06.03.2024</a:t>
             </a:fld>
             <a:endParaRPr lang="de-DE"/>
           </a:p>
@@ -1250,7 +1250,7 @@
           <a:p>
             <a:fld id="{C75B078E-1423-48FB-9A8C-AD62E2E7D6BA}" type="datetimeFigureOut">
               <a:rPr lang="de-DE" smtClean="0"/>
-              <a:t>03.03.2024</a:t>
+              <a:t>06.03.2024</a:t>
             </a:fld>
             <a:endParaRPr lang="de-DE"/>
           </a:p>
@@ -1617,7 +1617,7 @@
           <a:p>
             <a:fld id="{C75B078E-1423-48FB-9A8C-AD62E2E7D6BA}" type="datetimeFigureOut">
               <a:rPr lang="de-DE" smtClean="0"/>
-              <a:t>03.03.2024</a:t>
+              <a:t>06.03.2024</a:t>
             </a:fld>
             <a:endParaRPr lang="de-DE"/>
           </a:p>
@@ -1735,7 +1735,7 @@
           <a:p>
             <a:fld id="{C75B078E-1423-48FB-9A8C-AD62E2E7D6BA}" type="datetimeFigureOut">
               <a:rPr lang="de-DE" smtClean="0"/>
-              <a:t>03.03.2024</a:t>
+              <a:t>06.03.2024</a:t>
             </a:fld>
             <a:endParaRPr lang="de-DE"/>
           </a:p>
@@ -1830,7 +1830,7 @@
           <a:p>
             <a:fld id="{C75B078E-1423-48FB-9A8C-AD62E2E7D6BA}" type="datetimeFigureOut">
               <a:rPr lang="de-DE" smtClean="0"/>
-              <a:t>03.03.2024</a:t>
+              <a:t>06.03.2024</a:t>
             </a:fld>
             <a:endParaRPr lang="de-DE"/>
           </a:p>
@@ -2107,7 +2107,7 @@
           <a:p>
             <a:fld id="{C75B078E-1423-48FB-9A8C-AD62E2E7D6BA}" type="datetimeFigureOut">
               <a:rPr lang="de-DE" smtClean="0"/>
-              <a:t>03.03.2024</a:t>
+              <a:t>06.03.2024</a:t>
             </a:fld>
             <a:endParaRPr lang="de-DE"/>
           </a:p>
@@ -2364,7 +2364,7 @@
           <a:p>
             <a:fld id="{C75B078E-1423-48FB-9A8C-AD62E2E7D6BA}" type="datetimeFigureOut">
               <a:rPr lang="de-DE" smtClean="0"/>
-              <a:t>03.03.2024</a:t>
+              <a:t>06.03.2024</a:t>
             </a:fld>
             <a:endParaRPr lang="de-DE"/>
           </a:p>
@@ -2577,7 +2577,7 @@
           <a:p>
             <a:fld id="{C75B078E-1423-48FB-9A8C-AD62E2E7D6BA}" type="datetimeFigureOut">
               <a:rPr lang="de-DE" smtClean="0"/>
-              <a:t>03.03.2024</a:t>
+              <a:t>06.03.2024</a:t>
             </a:fld>
             <a:endParaRPr lang="de-DE"/>
           </a:p>
@@ -3736,7 +3736,7 @@
                   </a:r>
                   <a:r>
                     <a:rPr lang="en-US" kern="1200" dirty="0"/>
-                    <a:t>7 person-years at risk multiplied with </a:t>
+                    <a:t>person-years at risk multiplied with </a:t>
                   </a:r>
                   <a:br>
                     <a:rPr lang="en-US" kern="1200" dirty="0"/>
@@ -4120,8 +4120,8 @@
           </a:p>
         </p:txBody>
       </p:sp>
-      <mc:AlternateContent xmlns:mc="http://schemas.openxmlformats.org/markup-compatibility/2006" xmlns:a14="http://schemas.microsoft.com/office/drawing/2010/main">
-        <mc:Choice Requires="a14">
+      <mc:AlternateContent xmlns:mc="http://schemas.openxmlformats.org/markup-compatibility/2006">
+        <mc:Choice xmlns:a14="http://schemas.microsoft.com/office/drawing/2010/main" Requires="a14">
           <p:sp>
             <p:nvSpPr>
               <p:cNvPr id="2" name="Inhaltsplatzhalter 5">
@@ -4139,7 +4139,7 @@
             <p:spPr>
               <a:xfrm>
                 <a:off x="823998" y="1628284"/>
-                <a:ext cx="9746382" cy="2293154"/>
+                <a:ext cx="9746381" cy="2293154"/>
               </a:xfrm>
               <a:prstGeom prst="rect">
                 <a:avLst/>
@@ -4499,22 +4499,21 @@
                 </a:pPr>
                 <a:r>
                   <a:rPr lang="en-US" sz="1800" dirty="0"/>
-                  <a:t>54yrs at LC diagnosis in 2007</a:t>
+                  <a:t>54yrs at LC diagnosis </a:t>
                 </a:r>
-              </a:p>
-              <a:p>
-                <a:pPr marL="457200" lvl="1" indent="0">
-                  <a:lnSpc>
-                    <a:spcPct val="100000"/>
-                  </a:lnSpc>
-                  <a:spcBef>
-                    <a:spcPts val="0"/>
-                  </a:spcBef>
-                  <a:buNone/>
-                </a:pPr>
+                <a:br>
+                  <a:rPr lang="en-US" sz="1800" dirty="0"/>
+                </a:br>
                 <a:r>
                   <a:rPr lang="en-US" sz="1800" dirty="0"/>
-                  <a:t>with Adenocarcinoma</a:t>
+                  <a:t>in 2007 with </a:t>
+                </a:r>
+                <a:br>
+                  <a:rPr lang="en-US" sz="1800" dirty="0"/>
+                </a:br>
+                <a:r>
+                  <a:rPr lang="en-US" sz="1800" dirty="0"/>
+                  <a:t>Adenocarcinoma</a:t>
                 </a:r>
               </a:p>
               <a:p>
@@ -4550,7 +4549,7 @@
             </p:txBody>
           </p:sp>
         </mc:Choice>
-        <mc:Fallback xmlns="">
+        <mc:Fallback>
           <p:sp>
             <p:nvSpPr>
               <p:cNvPr id="2" name="Inhaltsplatzhalter 5">
@@ -4568,7 +4567,7 @@
             <p:spPr>
               <a:xfrm>
                 <a:off x="823998" y="1628284"/>
-                <a:ext cx="9746382" cy="2293154"/>
+                <a:ext cx="9746381" cy="2293154"/>
               </a:xfrm>
               <a:prstGeom prst="rect">
                 <a:avLst/>
@@ -4618,8 +4617,8 @@
             <a:chExt cx="6354588" cy="3259639"/>
           </a:xfrm>
         </p:grpSpPr>
-        <mc:AlternateContent xmlns:mc="http://schemas.openxmlformats.org/markup-compatibility/2006" xmlns:a14="http://schemas.microsoft.com/office/drawing/2010/main">
-          <mc:Choice Requires="a14">
+        <mc:AlternateContent xmlns:mc="http://schemas.openxmlformats.org/markup-compatibility/2006">
+          <mc:Choice xmlns:a14="http://schemas.microsoft.com/office/drawing/2010/main" Requires="a14">
             <p:sp>
               <p:nvSpPr>
                 <p:cNvPr id="18" name="Freeform: Shape 17">
@@ -4896,7 +4895,7 @@
                   </a:pPr>
                   <a:r>
                     <a:rPr lang="en-US" kern="1200" dirty="0"/>
-                    <a:t>Example: 7 person-years at risk multiplied with </a:t>
+                    <a:t>Example: person-years at risk multiplied with </a:t>
                   </a:r>
                   <a:br>
                     <a:rPr lang="en-US" kern="1200" dirty="0"/>
@@ -4955,7 +4954,7 @@
               </p:txBody>
             </p:sp>
           </mc:Choice>
-          <mc:Fallback xmlns="">
+          <mc:Fallback>
             <p:sp>
               <p:nvSpPr>
                 <p:cNvPr id="18" name="Freeform: Shape 17">
@@ -5346,7 +5345,7 @@
         </p:nvGrpSpPr>
         <p:grpSpPr>
           <a:xfrm>
-            <a:off x="8797630" y="1656725"/>
+            <a:off x="8495278" y="1660255"/>
             <a:ext cx="1658450" cy="2042972"/>
             <a:chOff x="8797630" y="1756741"/>
             <a:chExt cx="1658450" cy="2042972"/>
@@ -5525,44 +5524,6 @@
             </a:p>
           </p:txBody>
         </p:sp>
-        <p:pic>
-          <p:nvPicPr>
-            <p:cNvPr id="35" name="Picture 34">
-              <a:extLst>
-                <a:ext uri="{FF2B5EF4-FFF2-40B4-BE49-F238E27FC236}">
-                  <a16:creationId xmlns:a16="http://schemas.microsoft.com/office/drawing/2014/main" id="{E90C711D-9541-41B4-BE30-818159D99617}"/>
-                </a:ext>
-              </a:extLst>
-            </p:cNvPr>
-            <p:cNvPicPr>
-              <a:picLocks noChangeAspect="1"/>
-            </p:cNvPicPr>
-            <p:nvPr/>
-          </p:nvPicPr>
-          <p:blipFill>
-            <a:blip r:embed="rId10">
-              <a:duotone>
-                <a:schemeClr val="accent4">
-                  <a:shade val="45000"/>
-                  <a:satMod val="135000"/>
-                </a:schemeClr>
-                <a:prstClr val="white"/>
-              </a:duotone>
-            </a:blip>
-            <a:stretch>
-              <a:fillRect/>
-            </a:stretch>
-          </p:blipFill>
-          <p:spPr>
-            <a:xfrm>
-              <a:off x="9731661" y="3154868"/>
-              <a:ext cx="640080" cy="640080"/>
-            </a:xfrm>
-            <a:prstGeom prst="rect">
-              <a:avLst/>
-            </a:prstGeom>
-          </p:spPr>
-        </p:pic>
       </p:grpSp>
       <p:grpSp>
         <p:nvGrpSpPr>
@@ -7701,6 +7662,82 @@
           </a:p>
         </p:txBody>
       </p:sp>
+      <p:pic>
+        <p:nvPicPr>
+          <p:cNvPr id="3" name="Picture 2">
+            <a:extLst>
+              <a:ext uri="{FF2B5EF4-FFF2-40B4-BE49-F238E27FC236}">
+                <a16:creationId xmlns:a16="http://schemas.microsoft.com/office/drawing/2014/main" id="{B6B07EE0-9E85-4A28-168A-77E7FEBADA54}"/>
+              </a:ext>
+            </a:extLst>
+          </p:cNvPr>
+          <p:cNvPicPr>
+            <a:picLocks noChangeAspect="1"/>
+          </p:cNvPicPr>
+          <p:nvPr/>
+        </p:nvPicPr>
+        <p:blipFill>
+          <a:blip r:embed="rId10">
+            <a:duotone>
+              <a:schemeClr val="accent6">
+                <a:shade val="45000"/>
+                <a:satMod val="135000"/>
+              </a:schemeClr>
+              <a:prstClr val="white"/>
+            </a:duotone>
+          </a:blip>
+          <a:stretch>
+            <a:fillRect/>
+          </a:stretch>
+        </p:blipFill>
+        <p:spPr>
+          <a:xfrm>
+            <a:off x="9507208" y="3088068"/>
+            <a:ext cx="640080" cy="640080"/>
+          </a:xfrm>
+          <a:prstGeom prst="rect">
+            <a:avLst/>
+          </a:prstGeom>
+        </p:spPr>
+      </p:pic>
+      <p:pic>
+        <p:nvPicPr>
+          <p:cNvPr id="4" name="Picture 3">
+            <a:extLst>
+              <a:ext uri="{FF2B5EF4-FFF2-40B4-BE49-F238E27FC236}">
+                <a16:creationId xmlns:a16="http://schemas.microsoft.com/office/drawing/2014/main" id="{B5FCF245-611D-A66B-A6F4-52B06F42754E}"/>
+              </a:ext>
+            </a:extLst>
+          </p:cNvPr>
+          <p:cNvPicPr>
+            <a:picLocks noChangeAspect="1"/>
+          </p:cNvPicPr>
+          <p:nvPr/>
+        </p:nvPicPr>
+        <p:blipFill>
+          <a:blip r:embed="rId10">
+            <a:duotone>
+              <a:schemeClr val="accent4">
+                <a:shade val="45000"/>
+                <a:satMod val="135000"/>
+              </a:schemeClr>
+              <a:prstClr val="white"/>
+            </a:duotone>
+          </a:blip>
+          <a:stretch>
+            <a:fillRect/>
+          </a:stretch>
+        </p:blipFill>
+        <p:spPr>
+          <a:xfrm>
+            <a:off x="9872555" y="2879898"/>
+            <a:ext cx="640080" cy="640080"/>
+          </a:xfrm>
+          <a:prstGeom prst="rect">
+            <a:avLst/>
+          </a:prstGeom>
+        </p:spPr>
+      </p:pic>
     </p:spTree>
     <p:extLst>
       <p:ext uri="{BB962C8B-B14F-4D97-AF65-F5344CB8AC3E}">

--- a/3_output/fig1_alternative_sir_explanation.pptx
+++ b/3_output/fig1_alternative_sir_explanation.pptx
@@ -254,7 +254,7 @@
           <a:p>
             <a:fld id="{C75B078E-1423-48FB-9A8C-AD62E2E7D6BA}" type="datetimeFigureOut">
               <a:rPr lang="de-DE" smtClean="0"/>
-              <a:t>06.03.2024</a:t>
+              <a:t>07.03.2024</a:t>
             </a:fld>
             <a:endParaRPr lang="de-DE"/>
           </a:p>
@@ -424,7 +424,7 @@
           <a:p>
             <a:fld id="{C75B078E-1423-48FB-9A8C-AD62E2E7D6BA}" type="datetimeFigureOut">
               <a:rPr lang="de-DE" smtClean="0"/>
-              <a:t>06.03.2024</a:t>
+              <a:t>07.03.2024</a:t>
             </a:fld>
             <a:endParaRPr lang="de-DE"/>
           </a:p>
@@ -604,7 +604,7 @@
           <a:p>
             <a:fld id="{C75B078E-1423-48FB-9A8C-AD62E2E7D6BA}" type="datetimeFigureOut">
               <a:rPr lang="de-DE" smtClean="0"/>
-              <a:t>06.03.2024</a:t>
+              <a:t>07.03.2024</a:t>
             </a:fld>
             <a:endParaRPr lang="de-DE"/>
           </a:p>
@@ -774,7 +774,7 @@
           <a:p>
             <a:fld id="{C75B078E-1423-48FB-9A8C-AD62E2E7D6BA}" type="datetimeFigureOut">
               <a:rPr lang="de-DE" smtClean="0"/>
-              <a:t>06.03.2024</a:t>
+              <a:t>07.03.2024</a:t>
             </a:fld>
             <a:endParaRPr lang="de-DE"/>
           </a:p>
@@ -1018,7 +1018,7 @@
           <a:p>
             <a:fld id="{C75B078E-1423-48FB-9A8C-AD62E2E7D6BA}" type="datetimeFigureOut">
               <a:rPr lang="de-DE" smtClean="0"/>
-              <a:t>06.03.2024</a:t>
+              <a:t>07.03.2024</a:t>
             </a:fld>
             <a:endParaRPr lang="de-DE"/>
           </a:p>
@@ -1250,7 +1250,7 @@
           <a:p>
             <a:fld id="{C75B078E-1423-48FB-9A8C-AD62E2E7D6BA}" type="datetimeFigureOut">
               <a:rPr lang="de-DE" smtClean="0"/>
-              <a:t>06.03.2024</a:t>
+              <a:t>07.03.2024</a:t>
             </a:fld>
             <a:endParaRPr lang="de-DE"/>
           </a:p>
@@ -1617,7 +1617,7 @@
           <a:p>
             <a:fld id="{C75B078E-1423-48FB-9A8C-AD62E2E7D6BA}" type="datetimeFigureOut">
               <a:rPr lang="de-DE" smtClean="0"/>
-              <a:t>06.03.2024</a:t>
+              <a:t>07.03.2024</a:t>
             </a:fld>
             <a:endParaRPr lang="de-DE"/>
           </a:p>
@@ -1735,7 +1735,7 @@
           <a:p>
             <a:fld id="{C75B078E-1423-48FB-9A8C-AD62E2E7D6BA}" type="datetimeFigureOut">
               <a:rPr lang="de-DE" smtClean="0"/>
-              <a:t>06.03.2024</a:t>
+              <a:t>07.03.2024</a:t>
             </a:fld>
             <a:endParaRPr lang="de-DE"/>
           </a:p>
@@ -1830,7 +1830,7 @@
           <a:p>
             <a:fld id="{C75B078E-1423-48FB-9A8C-AD62E2E7D6BA}" type="datetimeFigureOut">
               <a:rPr lang="de-DE" smtClean="0"/>
-              <a:t>06.03.2024</a:t>
+              <a:t>07.03.2024</a:t>
             </a:fld>
             <a:endParaRPr lang="de-DE"/>
           </a:p>
@@ -2107,7 +2107,7 @@
           <a:p>
             <a:fld id="{C75B078E-1423-48FB-9A8C-AD62E2E7D6BA}" type="datetimeFigureOut">
               <a:rPr lang="de-DE" smtClean="0"/>
-              <a:t>06.03.2024</a:t>
+              <a:t>07.03.2024</a:t>
             </a:fld>
             <a:endParaRPr lang="de-DE"/>
           </a:p>
@@ -2364,7 +2364,7 @@
           <a:p>
             <a:fld id="{C75B078E-1423-48FB-9A8C-AD62E2E7D6BA}" type="datetimeFigureOut">
               <a:rPr lang="de-DE" smtClean="0"/>
-              <a:t>06.03.2024</a:t>
+              <a:t>07.03.2024</a:t>
             </a:fld>
             <a:endParaRPr lang="de-DE"/>
           </a:p>
@@ -2577,7 +2577,7 @@
           <a:p>
             <a:fld id="{C75B078E-1423-48FB-9A8C-AD62E2E7D6BA}" type="datetimeFigureOut">
               <a:rPr lang="de-DE" smtClean="0"/>
-              <a:t>06.03.2024</a:t>
+              <a:t>07.03.2024</a:t>
             </a:fld>
             <a:endParaRPr lang="de-DE"/>
           </a:p>
@@ -3471,8 +3471,8 @@
             <a:chExt cx="6354587" cy="2817142"/>
           </a:xfrm>
         </p:grpSpPr>
-        <mc:AlternateContent xmlns:mc="http://schemas.openxmlformats.org/markup-compatibility/2006">
-          <mc:Choice xmlns:a14="http://schemas.microsoft.com/office/drawing/2010/main" Requires="a14">
+        <mc:AlternateContent xmlns:mc="http://schemas.openxmlformats.org/markup-compatibility/2006" xmlns:a14="http://schemas.microsoft.com/office/drawing/2010/main">
+          <mc:Choice Requires="a14">
             <p:sp>
               <p:nvSpPr>
                 <p:cNvPr id="21" name="Freeform: Shape 20">
@@ -3794,7 +3794,7 @@
               </p:txBody>
             </p:sp>
           </mc:Choice>
-          <mc:Fallback>
+          <mc:Fallback xmlns="">
             <p:sp>
               <p:nvSpPr>
                 <p:cNvPr id="21" name="Freeform: Shape 20">
@@ -4120,8 +4120,8 @@
           </a:p>
         </p:txBody>
       </p:sp>
-      <mc:AlternateContent xmlns:mc="http://schemas.openxmlformats.org/markup-compatibility/2006">
-        <mc:Choice xmlns:a14="http://schemas.microsoft.com/office/drawing/2010/main" Requires="a14">
+      <mc:AlternateContent xmlns:mc="http://schemas.openxmlformats.org/markup-compatibility/2006" xmlns:a14="http://schemas.microsoft.com/office/drawing/2010/main">
+        <mc:Choice Requires="a14">
           <p:sp>
             <p:nvSpPr>
               <p:cNvPr id="2" name="Inhaltsplatzhalter 5">
@@ -4549,7 +4549,7 @@
             </p:txBody>
           </p:sp>
         </mc:Choice>
-        <mc:Fallback>
+        <mc:Fallback xmlns="">
           <p:sp>
             <p:nvSpPr>
               <p:cNvPr id="2" name="Inhaltsplatzhalter 5">
@@ -4734,7 +4734,7 @@
                 </a:bodyPr>
                 <a:lstStyle/>
                 <a:p>
-                  <a:pPr marL="171450" lvl="1" indent="-171450" algn="l" defTabSz="711200">
+                  <a:pPr marL="171450" lvl="1" indent="-171450" defTabSz="711200">
                     <a:lnSpc>
                       <a:spcPct val="90000"/>
                     </a:lnSpc>
@@ -4758,8 +4758,23 @@
                   </a14:m>
                   <a:r>
                     <a:rPr lang="en-US" kern="1200" dirty="0"/>
-                    <a:t> stratifying additionally by histology group of LC</a:t>
+                    <a:t> stratifying additionally by histology group of LC </a:t>
                   </a:r>
+                  <a14:m>
+                    <m:oMath xmlns:m="http://schemas.openxmlformats.org/officeDocument/2006/math">
+                      <m:r>
+                        <a:rPr lang="en-US" b="0" i="1" smtClean="0">
+                          <a:latin typeface="Cambria Math" panose="02040503050406030204" pitchFamily="18" charset="0"/>
+                        </a:rPr>
+                        <m:t>𝑗</m:t>
+                      </m:r>
+                    </m:oMath>
+                  </a14:m>
+                  <a:r>
+                    <a:rPr lang="en-US" dirty="0"/>
+                    <a:t> </a:t>
+                  </a:r>
+                  <a:endParaRPr lang="en-US" kern="1200" dirty="0"/>
                 </a:p>
                 <a:p>
                   <a:pPr marL="171450" lvl="1" indent="-171450" algn="l" defTabSz="711200">
@@ -4776,12 +4791,31 @@
                   </a:pPr>
                   <a14:m>
                     <m:oMath xmlns:m="http://schemas.openxmlformats.org/officeDocument/2006/math">
-                      <m:r>
-                        <a:rPr lang="de-DE" b="0" i="1" kern="1200" smtClean="0">
-                          <a:latin typeface="Cambria Math" panose="02040503050406030204" pitchFamily="18" charset="0"/>
-                        </a:rPr>
-                        <m:t>𝐼𝑅</m:t>
-                      </m:r>
+                      <m:sSub>
+                        <m:sSubPr>
+                          <m:ctrlPr>
+                            <a:rPr lang="de-DE" b="0" i="1" kern="1200" smtClean="0">
+                              <a:latin typeface="Cambria Math" panose="02040503050406030204" pitchFamily="18" charset="0"/>
+                            </a:rPr>
+                          </m:ctrlPr>
+                        </m:sSubPr>
+                        <m:e>
+                          <m:r>
+                            <a:rPr lang="en-US" b="0" i="1" kern="1200" smtClean="0">
+                              <a:latin typeface="Cambria Math" panose="02040503050406030204" pitchFamily="18" charset="0"/>
+                            </a:rPr>
+                            <m:t>𝐼𝑅</m:t>
+                          </m:r>
+                        </m:e>
+                        <m:sub>
+                          <m:r>
+                            <a:rPr lang="en-US" b="0" i="1" kern="1200" smtClean="0">
+                              <a:latin typeface="Cambria Math" panose="02040503050406030204" pitchFamily="18" charset="0"/>
+                            </a:rPr>
+                            <m:t>𝑖𝑗</m:t>
+                          </m:r>
+                        </m:sub>
+                      </m:sSub>
                     </m:oMath>
                   </a14:m>
                   <a:r>
@@ -5031,7 +5065,7 @@
                 <a:blipFill>
                   <a:blip r:embed="rId5"/>
                   <a:stretch>
-                    <a:fillRect b="-2424"/>
+                    <a:fillRect b="-3030"/>
                   </a:stretch>
                 </a:blipFill>
                 <a:ln w="28575">
